--- a/gpt_power_point.pptx
+++ b/gpt_power_point.pptx
@@ -3112,7 +3112,7 @@
               </a:defRPr>
             </a:pPr>
             <a:r>
-              <a:t>pc</a:t>
+              <a:t> Airplane</a:t>
             </a:r>
           </a:p>
         </p:txBody>
@@ -3143,7 +3143,7 @@
               </a:defRPr>
             </a:pPr>
             <a:r>
-              <a:t>A car is a wheeled motor vehicle used for transportation.</a:t>
+              <a:t>An airplane is a fixed-wing aircraft.</a:t>
             </a:r>
           </a:p>
           <a:p>
@@ -3153,7 +3153,7 @@
               </a:defRPr>
             </a:pPr>
             <a:r>
-              <a:t> Cars are a primary means of transportation in many regions of the world.</a:t>
+              <a:t> Airplanes come in a variety of sizes, shapes, and wing configurations.</a:t>
             </a:r>
           </a:p>
           <a:p>
@@ -3163,14 +3163,24 @@
               </a:defRPr>
             </a:pPr>
             <a:r>
-              <a:t> The year 1886 is regarded as the birth year of the car when German inventor Karl Benz patented his Benz Patent</a:t>
+              <a:t> The broad spectrum of uses for airplanes includes recreation, transportation of goods and people, military, and research.</a:t>
+            </a:r>
+          </a:p>
+          <a:p>
+            <a:pPr>
+              <a:defRPr sz="2500">
+                <a:latin typeface="Calibri Light"/>
+              </a:defRPr>
+            </a:pPr>
+            <a:r>
+              <a:t> Worldwide, commercial</a:t>
             </a:r>
           </a:p>
         </p:txBody>
       </p:sp>
       <p:pic>
         <p:nvPicPr>
-          <p:cNvPr id="4" name="Picture 3" descr="1.61mbfa9bipl._ac_sx466_.jpg"/>
+          <p:cNvPr id="4" name="Picture 3" descr="1.airplane%21_%281980_film%29.jpg"/>
           <p:cNvPicPr>
             <a:picLocks noChangeAspect="1"/>
           </p:cNvPicPr>
@@ -3184,8 +3194,8 @@
         </p:blipFill>
         <p:spPr>
           <a:xfrm>
-            <a:off x="5234400" y="2779200"/>
-            <a:ext cx="3549600" cy="3718800"/>
+            <a:off x="6818400" y="3556800"/>
+            <a:ext cx="1965600" cy="2941200"/>
           </a:xfrm>
           <a:prstGeom prst="rect">
             <a:avLst/>

--- a/gpt_power_point.pptx
+++ b/gpt_power_point.pptx
@@ -3112,7 +3112,7 @@
               </a:defRPr>
             </a:pPr>
             <a:r>
-              <a:t> Airplane</a:t>
+              <a:t> Latin</a:t>
             </a:r>
           </a:p>
         </p:txBody>
@@ -3143,7 +3143,7 @@
               </a:defRPr>
             </a:pPr>
             <a:r>
-              <a:t>An airplane is a fixed-wing aircraft.</a:t>
+              <a:t> Latin is a classical language.</a:t>
             </a:r>
           </a:p>
           <a:p>
@@ -3153,7 +3153,7 @@
               </a:defRPr>
             </a:pPr>
             <a:r>
-              <a:t> Airplanes come in a variety of sizes, shapes, and wing configurations.</a:t>
+              <a:t> Latin was originally spoken in the area around Rome, known as Latium.</a:t>
             </a:r>
           </a:p>
           <a:p>
@@ -3163,7 +3163,7 @@
               </a:defRPr>
             </a:pPr>
             <a:r>
-              <a:t> The broad spectrum of uses for airplanes includes recreation, transportation of goods and people, military, and research.</a:t>
+              <a:t> Latin has contributed many words to the English language.</a:t>
             </a:r>
           </a:p>
           <a:p>
@@ -3172,15 +3172,26 @@
                 <a:latin typeface="Calibri Light"/>
               </a:defRPr>
             </a:pPr>
-            <a:r>
-              <a:t> Worldwide, commercial</a:t>
-            </a:r>
+          </a:p>
+          <a:p>
+            <a:pPr>
+              <a:defRPr sz="2500">
+                <a:latin typeface="Calibri Light"/>
+              </a:defRPr>
+            </a:pPr>
+          </a:p>
+          <a:p>
+            <a:pPr>
+              <a:defRPr sz="2500">
+                <a:latin typeface="Calibri Light"/>
+              </a:defRPr>
+            </a:pPr>
           </a:p>
         </p:txBody>
       </p:sp>
       <p:pic>
         <p:nvPicPr>
-          <p:cNvPr id="4" name="Picture 3" descr="1.airplane%21_%281980_film%29.jpg"/>
+          <p:cNvPr id="4" name="Picture 3" descr="1.250px-calligraphy.malmesbury.bible.arp.jpg"/>
           <p:cNvPicPr>
             <a:picLocks noChangeAspect="1"/>
           </p:cNvPicPr>
@@ -3194,8 +3205,8 @@
         </p:blipFill>
         <p:spPr>
           <a:xfrm>
-            <a:off x="6818400" y="3556800"/>
-            <a:ext cx="1965600" cy="2941200"/>
+            <a:off x="6879600" y="5216400"/>
+            <a:ext cx="1904400" cy="1281600"/>
           </a:xfrm>
           <a:prstGeom prst="rect">
             <a:avLst/>

--- a/gpt_power_point.pptx
+++ b/gpt_power_point.pptx
@@ -3112,7 +3112,7 @@
               </a:defRPr>
             </a:pPr>
             <a:r>
-              <a:t> Latin</a:t>
+              <a:t> microservices architecture</a:t>
             </a:r>
           </a:p>
         </p:txBody>
@@ -3143,7 +3143,7 @@
               </a:defRPr>
             </a:pPr>
             <a:r>
-              <a:t> Latin is a classical language.</a:t>
+              <a:t>A microservice architecture is a variant of the service-oriented architecture.</a:t>
             </a:r>
           </a:p>
           <a:p>
@@ -3153,7 +3153,7 @@
               </a:defRPr>
             </a:pPr>
             <a:r>
-              <a:t> Latin was originally spoken in the area around Rome, known as Latium.</a:t>
+              <a:t> In a microservices architecture, services are fine-grained and the protocols are lightweight.</a:t>
             </a:r>
           </a:p>
           <a:p>
@@ -3163,7 +3163,7 @@
               </a:defRPr>
             </a:pPr>
             <a:r>
-              <a:t> Latin has contributed many words to the English language.</a:t>
+              <a:t> The goal is that teams can bring their services to life independent of others.</a:t>
             </a:r>
           </a:p>
           <a:p>
@@ -3172,26 +3172,15 @@
                 <a:latin typeface="Calibri Light"/>
               </a:defRPr>
             </a:pPr>
-          </a:p>
-          <a:p>
-            <a:pPr>
-              <a:defRPr sz="2500">
-                <a:latin typeface="Calibri Light"/>
-              </a:defRPr>
-            </a:pPr>
-          </a:p>
-          <a:p>
-            <a:pPr>
-              <a:defRPr sz="2500">
-                <a:latin typeface="Calibri Light"/>
-              </a:defRPr>
-            </a:pPr>
+            <a:r>
+              <a:t> Loose coupling reduces all types of dependencies and the complexities around it, as service developers do not need to</a:t>
+            </a:r>
           </a:p>
         </p:txBody>
       </p:sp>
       <p:pic>
         <p:nvPicPr>
-          <p:cNvPr id="4" name="Picture 3" descr="1.250px-calligraphy.malmesbury.bible.arp.jpg"/>
+          <p:cNvPr id="4" name="Picture 3" descr="1.microservice_architecture.png"/>
           <p:cNvPicPr>
             <a:picLocks noChangeAspect="1"/>
           </p:cNvPicPr>
@@ -3205,8 +3194,8 @@
         </p:blipFill>
         <p:spPr>
           <a:xfrm>
-            <a:off x="6879600" y="5216400"/>
-            <a:ext cx="1904400" cy="1281600"/>
+            <a:off x="4824000" y="3780489"/>
+            <a:ext cx="3960000" cy="2717510"/>
           </a:xfrm>
           <a:prstGeom prst="rect">
             <a:avLst/>

--- a/gpt_power_point.pptx
+++ b/gpt_power_point.pptx
@@ -3112,7 +3112,7 @@
               </a:defRPr>
             </a:pPr>
             <a:r>
-              <a:t> microservices architecture</a:t>
+              <a:t> oil</a:t>
             </a:r>
           </a:p>
         </p:txBody>
@@ -3143,7 +3143,7 @@
               </a:defRPr>
             </a:pPr>
             <a:r>
-              <a:t>A microservice architecture is a variant of the service-oriented architecture.</a:t>
+              <a:t>An oil is any nonpolar chemical substance that is a viscous liquid at ambient temperatures and is both hydrophobic (does not mix with water, literally "water fearing") and lipophilic (mixes with other oils, literally "fat loving").</a:t>
             </a:r>
           </a:p>
           <a:p>
@@ -3153,34 +3153,14 @@
               </a:defRPr>
             </a:pPr>
             <a:r>
-              <a:t> In a microservices architecture, services are fine-grained and the protocols are lightweight.</a:t>
-            </a:r>
-          </a:p>
-          <a:p>
-            <a:pPr>
-              <a:defRPr sz="2500">
-                <a:latin typeface="Calibri Light"/>
-              </a:defRPr>
-            </a:pPr>
-            <a:r>
-              <a:t> The goal is that teams can bring their services to life independent of others.</a:t>
-            </a:r>
-          </a:p>
-          <a:p>
-            <a:pPr>
-              <a:defRPr sz="2500">
-                <a:latin typeface="Calibri Light"/>
-              </a:defRPr>
-            </a:pPr>
-            <a:r>
-              <a:t> Loose coupling reduces all types of dependencies and the complexities around it, as service developers do not need to</a:t>
+              <a:t> Oils have a high carbon and hydrogen content and are usually flammable and</a:t>
             </a:r>
           </a:p>
         </p:txBody>
       </p:sp>
       <p:pic>
         <p:nvPicPr>
-          <p:cNvPr id="4" name="Picture 3" descr="1.microservice_architecture.png"/>
+          <p:cNvPr id="4" name="Picture 3" descr="1.waste%20oil.jpg"/>
           <p:cNvPicPr>
             <a:picLocks noChangeAspect="1"/>
           </p:cNvPicPr>
@@ -3194,8 +3174,8 @@
         </p:blipFill>
         <p:spPr>
           <a:xfrm>
-            <a:off x="4824000" y="3780489"/>
-            <a:ext cx="3960000" cy="2717510"/>
+            <a:off x="4824000" y="3856111"/>
+            <a:ext cx="3960000" cy="2641888"/>
           </a:xfrm>
           <a:prstGeom prst="rect">
             <a:avLst/>
